--- a/MergeSortPresentation.pptx
+++ b/MergeSortPresentation.pptx
@@ -6,6 +6,10 @@
   </p:sldMasterIdLst>
   <p:sldIdLst>
     <p:sldId id="256" r:id="rId2"/>
+    <p:sldId id="257" r:id="rId3"/>
+    <p:sldId id="258" r:id="rId4"/>
+    <p:sldId id="259" r:id="rId5"/>
+    <p:sldId id="260" r:id="rId6"/>
   </p:sldIdLst>
   <p:sldSz cx="9144000" cy="6858000" type="screen4x3"/>
   <p:notesSz cx="6858000" cy="9144000"/>
@@ -3721,6 +3725,290 @@
 </p:sld>
 </file>
 
+<file path=ppt/slides/slide2.xml><?xml version="1.0" encoding="utf-8"?>
+<p:sld xmlns:a="http://schemas.openxmlformats.org/drawingml/2006/main" xmlns:r="http://schemas.openxmlformats.org/officeDocument/2006/relationships" xmlns:p="http://schemas.openxmlformats.org/presentationml/2006/main">
+  <p:cSld>
+    <p:spTree>
+      <p:nvGrpSpPr>
+        <p:cNvPr id="1" name=""/>
+        <p:cNvGrpSpPr/>
+        <p:nvPr/>
+      </p:nvGrpSpPr>
+      <p:grpSpPr>
+        <a:xfrm>
+          <a:off x="0" y="0"/>
+          <a:ext cx="0" cy="0"/>
+          <a:chOff x="0" y="0"/>
+          <a:chExt cx="0" cy="0"/>
+        </a:xfrm>
+      </p:grpSpPr>
+      <p:sp>
+        <p:nvSpPr>
+          <p:cNvPr id="2" name="Title 1"/>
+          <p:cNvSpPr>
+            <a:spLocks noGrp="1"/>
+          </p:cNvSpPr>
+          <p:nvPr>
+            <p:ph type="title"/>
+          </p:nvPr>
+        </p:nvSpPr>
+        <p:spPr/>
+        <p:txBody>
+          <a:bodyPr/>
+          <a:lstStyle/>
+          <a:p>
+            <a:r>
+              <a:rPr lang="en-US" dirty="0" smtClean="0"/>
+              <a:t>Merge Sort</a:t>
+            </a:r>
+            <a:endParaRPr lang="en-US" dirty="0"/>
+          </a:p>
+        </p:txBody>
+      </p:sp>
+      <p:sp>
+        <p:nvSpPr>
+          <p:cNvPr id="3" name="Content Placeholder 2"/>
+          <p:cNvSpPr>
+            <a:spLocks noGrp="1"/>
+          </p:cNvSpPr>
+          <p:nvPr>
+            <p:ph idx="1"/>
+          </p:nvPr>
+        </p:nvSpPr>
+        <p:spPr/>
+        <p:txBody>
+          <a:bodyPr/>
+          <a:lstStyle/>
+          <a:p>
+            <a:endParaRPr lang="en-US" dirty="0"/>
+          </a:p>
+        </p:txBody>
+      </p:sp>
+    </p:spTree>
+    <p:extLst>
+      <p:ext uri="{BB962C8B-B14F-4D97-AF65-F5344CB8AC3E}">
+        <p14:creationId xmlns:p14="http://schemas.microsoft.com/office/powerpoint/2010/main" val="3208302944"/>
+      </p:ext>
+    </p:extLst>
+  </p:cSld>
+  <p:clrMapOvr>
+    <a:masterClrMapping/>
+  </p:clrMapOvr>
+</p:sld>
+</file>
+
+<file path=ppt/slides/slide3.xml><?xml version="1.0" encoding="utf-8"?>
+<p:sld xmlns:a="http://schemas.openxmlformats.org/drawingml/2006/main" xmlns:r="http://schemas.openxmlformats.org/officeDocument/2006/relationships" xmlns:p="http://schemas.openxmlformats.org/presentationml/2006/main">
+  <p:cSld>
+    <p:spTree>
+      <p:nvGrpSpPr>
+        <p:cNvPr id="1" name=""/>
+        <p:cNvGrpSpPr/>
+        <p:nvPr/>
+      </p:nvGrpSpPr>
+      <p:grpSpPr>
+        <a:xfrm>
+          <a:off x="0" y="0"/>
+          <a:ext cx="0" cy="0"/>
+          <a:chOff x="0" y="0"/>
+          <a:chExt cx="0" cy="0"/>
+        </a:xfrm>
+      </p:grpSpPr>
+      <p:sp>
+        <p:nvSpPr>
+          <p:cNvPr id="2" name="Title 1"/>
+          <p:cNvSpPr>
+            <a:spLocks noGrp="1"/>
+          </p:cNvSpPr>
+          <p:nvPr>
+            <p:ph type="title"/>
+          </p:nvPr>
+        </p:nvSpPr>
+        <p:spPr/>
+        <p:txBody>
+          <a:bodyPr/>
+          <a:lstStyle/>
+          <a:p>
+            <a:r>
+              <a:rPr lang="en-US" dirty="0" smtClean="0"/>
+              <a:t>Analysis</a:t>
+            </a:r>
+            <a:endParaRPr lang="en-US" dirty="0"/>
+          </a:p>
+        </p:txBody>
+      </p:sp>
+      <p:sp>
+        <p:nvSpPr>
+          <p:cNvPr id="3" name="Content Placeholder 2"/>
+          <p:cNvSpPr>
+            <a:spLocks noGrp="1"/>
+          </p:cNvSpPr>
+          <p:nvPr>
+            <p:ph idx="1"/>
+          </p:nvPr>
+        </p:nvSpPr>
+        <p:spPr/>
+        <p:txBody>
+          <a:bodyPr/>
+          <a:lstStyle/>
+          <a:p>
+            <a:endParaRPr lang="en-US"/>
+          </a:p>
+        </p:txBody>
+      </p:sp>
+    </p:spTree>
+    <p:extLst>
+      <p:ext uri="{BB962C8B-B14F-4D97-AF65-F5344CB8AC3E}">
+        <p14:creationId xmlns:p14="http://schemas.microsoft.com/office/powerpoint/2010/main" val="3877369734"/>
+      </p:ext>
+    </p:extLst>
+  </p:cSld>
+  <p:clrMapOvr>
+    <a:masterClrMapping/>
+  </p:clrMapOvr>
+</p:sld>
+</file>
+
+<file path=ppt/slides/slide4.xml><?xml version="1.0" encoding="utf-8"?>
+<p:sld xmlns:a="http://schemas.openxmlformats.org/drawingml/2006/main" xmlns:r="http://schemas.openxmlformats.org/officeDocument/2006/relationships" xmlns:p="http://schemas.openxmlformats.org/presentationml/2006/main">
+  <p:cSld>
+    <p:spTree>
+      <p:nvGrpSpPr>
+        <p:cNvPr id="1" name=""/>
+        <p:cNvGrpSpPr/>
+        <p:nvPr/>
+      </p:nvGrpSpPr>
+      <p:grpSpPr>
+        <a:xfrm>
+          <a:off x="0" y="0"/>
+          <a:ext cx="0" cy="0"/>
+          <a:chOff x="0" y="0"/>
+          <a:chExt cx="0" cy="0"/>
+        </a:xfrm>
+      </p:grpSpPr>
+      <p:sp>
+        <p:nvSpPr>
+          <p:cNvPr id="2" name="Title 1"/>
+          <p:cNvSpPr>
+            <a:spLocks noGrp="1"/>
+          </p:cNvSpPr>
+          <p:nvPr>
+            <p:ph type="title"/>
+          </p:nvPr>
+        </p:nvSpPr>
+        <p:spPr/>
+        <p:txBody>
+          <a:bodyPr/>
+          <a:lstStyle/>
+          <a:p>
+            <a:r>
+              <a:rPr lang="en-US" dirty="0" smtClean="0"/>
+              <a:t>Implementation</a:t>
+            </a:r>
+            <a:endParaRPr lang="en-US" dirty="0"/>
+          </a:p>
+        </p:txBody>
+      </p:sp>
+      <p:sp>
+        <p:nvSpPr>
+          <p:cNvPr id="3" name="Content Placeholder 2"/>
+          <p:cNvSpPr>
+            <a:spLocks noGrp="1"/>
+          </p:cNvSpPr>
+          <p:nvPr>
+            <p:ph idx="1"/>
+          </p:nvPr>
+        </p:nvSpPr>
+        <p:spPr/>
+        <p:txBody>
+          <a:bodyPr/>
+          <a:lstStyle/>
+          <a:p>
+            <a:endParaRPr lang="en-US"/>
+          </a:p>
+        </p:txBody>
+      </p:sp>
+    </p:spTree>
+    <p:extLst>
+      <p:ext uri="{BB962C8B-B14F-4D97-AF65-F5344CB8AC3E}">
+        <p14:creationId xmlns:p14="http://schemas.microsoft.com/office/powerpoint/2010/main" val="1201823533"/>
+      </p:ext>
+    </p:extLst>
+  </p:cSld>
+  <p:clrMapOvr>
+    <a:masterClrMapping/>
+  </p:clrMapOvr>
+</p:sld>
+</file>
+
+<file path=ppt/slides/slide5.xml><?xml version="1.0" encoding="utf-8"?>
+<p:sld xmlns:a="http://schemas.openxmlformats.org/drawingml/2006/main" xmlns:r="http://schemas.openxmlformats.org/officeDocument/2006/relationships" xmlns:p="http://schemas.openxmlformats.org/presentationml/2006/main">
+  <p:cSld>
+    <p:spTree>
+      <p:nvGrpSpPr>
+        <p:cNvPr id="1" name=""/>
+        <p:cNvGrpSpPr/>
+        <p:nvPr/>
+      </p:nvGrpSpPr>
+      <p:grpSpPr>
+        <a:xfrm>
+          <a:off x="0" y="0"/>
+          <a:ext cx="0" cy="0"/>
+          <a:chOff x="0" y="0"/>
+          <a:chExt cx="0" cy="0"/>
+        </a:xfrm>
+      </p:grpSpPr>
+      <p:sp>
+        <p:nvSpPr>
+          <p:cNvPr id="2" name="Title 1"/>
+          <p:cNvSpPr>
+            <a:spLocks noGrp="1"/>
+          </p:cNvSpPr>
+          <p:nvPr>
+            <p:ph type="title"/>
+          </p:nvPr>
+        </p:nvSpPr>
+        <p:spPr/>
+        <p:txBody>
+          <a:bodyPr/>
+          <a:lstStyle/>
+          <a:p>
+            <a:endParaRPr lang="en-US"/>
+          </a:p>
+        </p:txBody>
+      </p:sp>
+      <p:sp>
+        <p:nvSpPr>
+          <p:cNvPr id="3" name="Content Placeholder 2"/>
+          <p:cNvSpPr>
+            <a:spLocks noGrp="1"/>
+          </p:cNvSpPr>
+          <p:nvPr>
+            <p:ph idx="1"/>
+          </p:nvPr>
+        </p:nvSpPr>
+        <p:spPr/>
+        <p:txBody>
+          <a:bodyPr/>
+          <a:lstStyle/>
+          <a:p>
+            <a:endParaRPr lang="en-US"/>
+          </a:p>
+        </p:txBody>
+      </p:sp>
+    </p:spTree>
+    <p:extLst>
+      <p:ext uri="{BB962C8B-B14F-4D97-AF65-F5344CB8AC3E}">
+        <p14:creationId xmlns:p14="http://schemas.microsoft.com/office/powerpoint/2010/main" val="3050536011"/>
+      </p:ext>
+    </p:extLst>
+  </p:cSld>
+  <p:clrMapOvr>
+    <a:masterClrMapping/>
+  </p:clrMapOvr>
+</p:sld>
+</file>
+
 <file path=ppt/theme/theme1.xml><?xml version="1.0" encoding="utf-8"?>
 <a:theme xmlns:a="http://schemas.openxmlformats.org/drawingml/2006/main" name="Breeze">
   <a:themeElements>

--- a/MergeSortPresentation.pptx
+++ b/MergeSortPresentation.pptx
@@ -394,7 +394,7 @@
           <a:p>
             <a:fld id="{B01F9CA3-105E-4857-9057-6DB6197DA786}" type="datetimeFigureOut">
               <a:rPr lang="en-US" smtClean="0"/>
-              <a:t>9/21/15</a:t>
+              <a:t>9/23/15</a:t>
             </a:fld>
             <a:endParaRPr lang="en-US"/>
           </a:p>
@@ -586,7 +586,7 @@
           <a:p>
             <a:fld id="{B01F9CA3-105E-4857-9057-6DB6197DA786}" type="datetimeFigureOut">
               <a:rPr lang="en-US" smtClean="0"/>
-              <a:t>9/21/15</a:t>
+              <a:t>9/23/15</a:t>
             </a:fld>
             <a:endParaRPr lang="en-US"/>
           </a:p>
@@ -855,7 +855,7 @@
           <a:p>
             <a:fld id="{B01F9CA3-105E-4857-9057-6DB6197DA786}" type="datetimeFigureOut">
               <a:rPr lang="en-US" smtClean="0"/>
-              <a:t>9/21/15</a:t>
+              <a:t>9/23/15</a:t>
             </a:fld>
             <a:endParaRPr lang="en-US"/>
           </a:p>
@@ -1034,7 +1034,7 @@
           <a:p>
             <a:fld id="{B01F9CA3-105E-4857-9057-6DB6197DA786}" type="datetimeFigureOut">
               <a:rPr lang="en-US" smtClean="0"/>
-              <a:t>9/21/15</a:t>
+              <a:t>9/23/15</a:t>
             </a:fld>
             <a:endParaRPr lang="en-US"/>
           </a:p>
@@ -1203,7 +1203,7 @@
           <a:p>
             <a:fld id="{B01F9CA3-105E-4857-9057-6DB6197DA786}" type="datetimeFigureOut">
               <a:rPr lang="en-US" smtClean="0"/>
-              <a:t>9/21/15</a:t>
+              <a:t>9/23/15</a:t>
             </a:fld>
             <a:endParaRPr lang="en-US"/>
           </a:p>
@@ -1445,7 +1445,7 @@
           <a:p>
             <a:fld id="{B01F9CA3-105E-4857-9057-6DB6197DA786}" type="datetimeFigureOut">
               <a:rPr lang="en-US" smtClean="0"/>
-              <a:t>9/21/15</a:t>
+              <a:t>9/23/15</a:t>
             </a:fld>
             <a:endParaRPr lang="en-US"/>
           </a:p>
@@ -1768,7 +1768,7 @@
           <a:p>
             <a:fld id="{B01F9CA3-105E-4857-9057-6DB6197DA786}" type="datetimeFigureOut">
               <a:rPr lang="en-US" smtClean="0"/>
-              <a:t>9/21/15</a:t>
+              <a:t>9/23/15</a:t>
             </a:fld>
             <a:endParaRPr lang="en-US"/>
           </a:p>
@@ -2066,7 +2066,7 @@
           <a:p>
             <a:fld id="{B01F9CA3-105E-4857-9057-6DB6197DA786}" type="datetimeFigureOut">
               <a:rPr lang="en-US" smtClean="0"/>
-              <a:t>9/21/15</a:t>
+              <a:t>9/23/15</a:t>
             </a:fld>
             <a:endParaRPr lang="en-US"/>
           </a:p>
@@ -2522,7 +2522,7 @@
           <a:p>
             <a:fld id="{B01F9CA3-105E-4857-9057-6DB6197DA786}" type="datetimeFigureOut">
               <a:rPr lang="en-US" smtClean="0"/>
-              <a:t>9/21/15</a:t>
+              <a:t>9/23/15</a:t>
             </a:fld>
             <a:endParaRPr lang="en-US"/>
           </a:p>
@@ -2635,7 +2635,7 @@
           <a:p>
             <a:fld id="{B01F9CA3-105E-4857-9057-6DB6197DA786}" type="datetimeFigureOut">
               <a:rPr lang="en-US" smtClean="0"/>
-              <a:t>9/21/15</a:t>
+              <a:t>9/23/15</a:t>
             </a:fld>
             <a:endParaRPr lang="en-US"/>
           </a:p>
@@ -2725,7 +2725,7 @@
           <a:p>
             <a:fld id="{B01F9CA3-105E-4857-9057-6DB6197DA786}" type="datetimeFigureOut">
               <a:rPr lang="en-US" smtClean="0"/>
-              <a:t>9/21/15</a:t>
+              <a:t>9/23/15</a:t>
             </a:fld>
             <a:endParaRPr lang="en-US"/>
           </a:p>
@@ -3007,7 +3007,7 @@
           <a:p>
             <a:fld id="{B01F9CA3-105E-4857-9057-6DB6197DA786}" type="datetimeFigureOut">
               <a:rPr lang="en-US" smtClean="0"/>
-              <a:t>9/21/15</a:t>
+              <a:t>9/23/15</a:t>
             </a:fld>
             <a:endParaRPr lang="en-US"/>
           </a:p>
@@ -3213,7 +3213,7 @@
           <a:p>
             <a:fld id="{B01F9CA3-105E-4857-9057-6DB6197DA786}" type="datetimeFigureOut">
               <a:rPr lang="en-US" smtClean="0"/>
-              <a:t>9/21/15</a:t>
+              <a:t>9/23/15</a:t>
             </a:fld>
             <a:endParaRPr lang="en-US"/>
           </a:p>
@@ -3780,7 +3780,50 @@
           <a:bodyPr/>
           <a:lstStyle/>
           <a:p>
-            <a:endParaRPr lang="en-US" dirty="0"/>
+            <a:r>
+              <a:rPr lang="en-US" dirty="0" smtClean="0"/>
+              <a:t>Recursive </a:t>
+            </a:r>
+            <a:r>
+              <a:rPr lang="en-US" dirty="0" smtClean="0"/>
+              <a:t>algorithm</a:t>
+            </a:r>
+          </a:p>
+          <a:p>
+            <a:r>
+              <a:rPr lang="en-US" dirty="0" smtClean="0"/>
+              <a:t>Divides </a:t>
+            </a:r>
+            <a:r>
+              <a:rPr lang="en-US" dirty="0" smtClean="0"/>
+              <a:t>a list in half until each </a:t>
+            </a:r>
+            <a:r>
+              <a:rPr lang="en-US" dirty="0" err="1" smtClean="0"/>
+              <a:t>sublist</a:t>
+            </a:r>
+            <a:r>
+              <a:rPr lang="en-US" dirty="0" smtClean="0"/>
+              <a:t> only has one element</a:t>
+            </a:r>
+          </a:p>
+          <a:p>
+            <a:r>
+              <a:rPr lang="en-US" dirty="0" smtClean="0"/>
+              <a:t>R</a:t>
+            </a:r>
+            <a:r>
+              <a:rPr lang="en-US" dirty="0" smtClean="0"/>
+              <a:t>ecombines each </a:t>
+            </a:r>
+            <a:r>
+              <a:rPr lang="en-US" dirty="0" err="1" smtClean="0"/>
+              <a:t>sublist</a:t>
+            </a:r>
+            <a:r>
+              <a:rPr lang="en-US" dirty="0" smtClean="0"/>
+              <a:t> in order</a:t>
+            </a:r>
           </a:p>
         </p:txBody>
       </p:sp>
@@ -3852,7 +3895,17 @@
           <a:bodyPr/>
           <a:lstStyle/>
           <a:p>
-            <a:endParaRPr lang="en-US"/>
+            <a:r>
+              <a:rPr lang="en-US" dirty="0" smtClean="0"/>
+              <a:t>Worst case: </a:t>
+            </a:r>
+          </a:p>
+          <a:p>
+            <a:r>
+              <a:rPr lang="en-US" dirty="0" smtClean="0"/>
+              <a:t>Average case: </a:t>
+            </a:r>
+            <a:endParaRPr lang="en-US" dirty="0"/>
           </a:p>
         </p:txBody>
       </p:sp>

--- a/MergeSortPresentation.pptx
+++ b/MergeSortPresentation.pptx
@@ -7,9 +7,8 @@
   <p:sldIdLst>
     <p:sldId id="256" r:id="rId2"/>
     <p:sldId id="257" r:id="rId3"/>
-    <p:sldId id="258" r:id="rId4"/>
-    <p:sldId id="259" r:id="rId5"/>
-    <p:sldId id="260" r:id="rId6"/>
+    <p:sldId id="259" r:id="rId4"/>
+    <p:sldId id="260" r:id="rId5"/>
   </p:sldIdLst>
   <p:sldSz cx="9144000" cy="6858000" type="screen4x3"/>
   <p:notesSz cx="6858000" cy="9144000"/>
@@ -3722,6 +3721,13 @@
   <p:clrMapOvr>
     <a:masterClrMapping/>
   </p:clrMapOvr>
+  <p:timing>
+    <p:tnLst>
+      <p:par>
+        <p:cTn xmlns:p14="http://schemas.microsoft.com/office/powerpoint/2010/main" id="1" dur="indefinite" restart="never" nodeType="tmRoot"/>
+      </p:par>
+    </p:tnLst>
+  </p:timing>
 </p:sld>
 </file>
 
@@ -3825,6 +3831,47 @@
               <a:t> in order</a:t>
             </a:r>
           </a:p>
+          <a:p>
+            <a:r>
+              <a:rPr lang="en-US" dirty="0"/>
+              <a:t>W</a:t>
+            </a:r>
+            <a:r>
+              <a:rPr lang="en-US" dirty="0" smtClean="0"/>
+              <a:t>orst </a:t>
+            </a:r>
+            <a:r>
+              <a:rPr lang="en-US" dirty="0"/>
+              <a:t>and a</a:t>
+            </a:r>
+            <a:r>
+              <a:rPr lang="en-US" dirty="0" smtClean="0"/>
+              <a:t>verage </a:t>
+            </a:r>
+            <a:r>
+              <a:rPr lang="en-US" dirty="0"/>
+              <a:t>case </a:t>
+            </a:r>
+            <a:r>
+              <a:rPr lang="en-US" dirty="0" smtClean="0"/>
+              <a:t>analysis: </a:t>
+            </a:r>
+            <a:r>
+              <a:rPr lang="en-US" dirty="0"/>
+              <a:t>O(</a:t>
+            </a:r>
+            <a:r>
+              <a:rPr lang="en-US" dirty="0" err="1"/>
+              <a:t>nlogn</a:t>
+            </a:r>
+            <a:r>
+              <a:rPr lang="en-US" dirty="0"/>
+              <a:t>)</a:t>
+            </a:r>
+          </a:p>
+          <a:p>
+            <a:endParaRPr lang="en-US" dirty="0" smtClean="0"/>
+          </a:p>
         </p:txBody>
       </p:sp>
     </p:spTree>
@@ -3837,6 +3884,13 @@
   <p:clrMapOvr>
     <a:masterClrMapping/>
   </p:clrMapOvr>
+  <p:timing>
+    <p:tnLst>
+      <p:par>
+        <p:cTn xmlns:p14="http://schemas.microsoft.com/office/powerpoint/2010/main" id="1" dur="indefinite" restart="never" nodeType="tmRoot"/>
+      </p:par>
+    </p:tnLst>
+  </p:timing>
 </p:sld>
 </file>
 
@@ -3874,7 +3928,7 @@
           <a:p>
             <a:r>
               <a:rPr lang="en-US" dirty="0" smtClean="0"/>
-              <a:t>Analysis</a:t>
+              <a:t>Implementation</a:t>
             </a:r>
             <a:endParaRPr lang="en-US" dirty="0"/>
           </a:p>
@@ -3895,30 +3949,27 @@
           <a:bodyPr/>
           <a:lstStyle/>
           <a:p>
-            <a:r>
-              <a:rPr lang="en-US" dirty="0" smtClean="0"/>
-              <a:t>Worst case: </a:t>
-            </a:r>
-          </a:p>
-          <a:p>
-            <a:r>
-              <a:rPr lang="en-US" dirty="0" smtClean="0"/>
-              <a:t>Average case: </a:t>
-            </a:r>
-            <a:endParaRPr lang="en-US" dirty="0"/>
+            <a:endParaRPr lang="en-US"/>
           </a:p>
         </p:txBody>
       </p:sp>
     </p:spTree>
     <p:extLst>
       <p:ext uri="{BB962C8B-B14F-4D97-AF65-F5344CB8AC3E}">
-        <p14:creationId xmlns:p14="http://schemas.microsoft.com/office/powerpoint/2010/main" val="3877369734"/>
+        <p14:creationId xmlns:p14="http://schemas.microsoft.com/office/powerpoint/2010/main" val="1201823533"/>
       </p:ext>
     </p:extLst>
   </p:cSld>
   <p:clrMapOvr>
     <a:masterClrMapping/>
   </p:clrMapOvr>
+  <p:timing>
+    <p:tnLst>
+      <p:par>
+        <p:cTn xmlns:p14="http://schemas.microsoft.com/office/powerpoint/2010/main" id="1" dur="indefinite" restart="never" nodeType="tmRoot"/>
+      </p:par>
+    </p:tnLst>
+  </p:timing>
 </p:sld>
 </file>
 
@@ -3954,78 +4005,6 @@
           <a:bodyPr/>
           <a:lstStyle/>
           <a:p>
-            <a:r>
-              <a:rPr lang="en-US" dirty="0" smtClean="0"/>
-              <a:t>Implementation</a:t>
-            </a:r>
-            <a:endParaRPr lang="en-US" dirty="0"/>
-          </a:p>
-        </p:txBody>
-      </p:sp>
-      <p:sp>
-        <p:nvSpPr>
-          <p:cNvPr id="3" name="Content Placeholder 2"/>
-          <p:cNvSpPr>
-            <a:spLocks noGrp="1"/>
-          </p:cNvSpPr>
-          <p:nvPr>
-            <p:ph idx="1"/>
-          </p:nvPr>
-        </p:nvSpPr>
-        <p:spPr/>
-        <p:txBody>
-          <a:bodyPr/>
-          <a:lstStyle/>
-          <a:p>
-            <a:endParaRPr lang="en-US"/>
-          </a:p>
-        </p:txBody>
-      </p:sp>
-    </p:spTree>
-    <p:extLst>
-      <p:ext uri="{BB962C8B-B14F-4D97-AF65-F5344CB8AC3E}">
-        <p14:creationId xmlns:p14="http://schemas.microsoft.com/office/powerpoint/2010/main" val="1201823533"/>
-      </p:ext>
-    </p:extLst>
-  </p:cSld>
-  <p:clrMapOvr>
-    <a:masterClrMapping/>
-  </p:clrMapOvr>
-</p:sld>
-</file>
-
-<file path=ppt/slides/slide5.xml><?xml version="1.0" encoding="utf-8"?>
-<p:sld xmlns:a="http://schemas.openxmlformats.org/drawingml/2006/main" xmlns:r="http://schemas.openxmlformats.org/officeDocument/2006/relationships" xmlns:p="http://schemas.openxmlformats.org/presentationml/2006/main">
-  <p:cSld>
-    <p:spTree>
-      <p:nvGrpSpPr>
-        <p:cNvPr id="1" name=""/>
-        <p:cNvGrpSpPr/>
-        <p:nvPr/>
-      </p:nvGrpSpPr>
-      <p:grpSpPr>
-        <a:xfrm>
-          <a:off x="0" y="0"/>
-          <a:ext cx="0" cy="0"/>
-          <a:chOff x="0" y="0"/>
-          <a:chExt cx="0" cy="0"/>
-        </a:xfrm>
-      </p:grpSpPr>
-      <p:sp>
-        <p:nvSpPr>
-          <p:cNvPr id="2" name="Title 1"/>
-          <p:cNvSpPr>
-            <a:spLocks noGrp="1"/>
-          </p:cNvSpPr>
-          <p:nvPr>
-            <p:ph type="title"/>
-          </p:nvPr>
-        </p:nvSpPr>
-        <p:spPr/>
-        <p:txBody>
-          <a:bodyPr/>
-          <a:lstStyle/>
-          <a:p>
             <a:endParaRPr lang="en-US"/>
           </a:p>
         </p:txBody>
@@ -4059,6 +4038,13 @@
   <p:clrMapOvr>
     <a:masterClrMapping/>
   </p:clrMapOvr>
+  <p:timing>
+    <p:tnLst>
+      <p:par>
+        <p:cTn xmlns:p14="http://schemas.microsoft.com/office/powerpoint/2010/main" id="1" dur="indefinite" restart="never" nodeType="tmRoot"/>
+      </p:par>
+    </p:tnLst>
+  </p:timing>
 </p:sld>
 </file>
 

--- a/MergeSortPresentation.pptx
+++ b/MergeSortPresentation.pptx
@@ -7,8 +7,9 @@
   <p:sldIdLst>
     <p:sldId id="256" r:id="rId2"/>
     <p:sldId id="257" r:id="rId3"/>
-    <p:sldId id="259" r:id="rId4"/>
-    <p:sldId id="260" r:id="rId5"/>
+    <p:sldId id="263" r:id="rId4"/>
+    <p:sldId id="261" r:id="rId5"/>
+    <p:sldId id="262" r:id="rId6"/>
   </p:sldIdLst>
   <p:sldSz cx="9144000" cy="6858000" type="screen4x3"/>
   <p:notesSz cx="6858000" cy="9144000"/>
@@ -3831,47 +3832,6 @@
               <a:t> in order</a:t>
             </a:r>
           </a:p>
-          <a:p>
-            <a:r>
-              <a:rPr lang="en-US" dirty="0"/>
-              <a:t>W</a:t>
-            </a:r>
-            <a:r>
-              <a:rPr lang="en-US" dirty="0" smtClean="0"/>
-              <a:t>orst </a:t>
-            </a:r>
-            <a:r>
-              <a:rPr lang="en-US" dirty="0"/>
-              <a:t>and a</a:t>
-            </a:r>
-            <a:r>
-              <a:rPr lang="en-US" dirty="0" smtClean="0"/>
-              <a:t>verage </a:t>
-            </a:r>
-            <a:r>
-              <a:rPr lang="en-US" dirty="0"/>
-              <a:t>case </a:t>
-            </a:r>
-            <a:r>
-              <a:rPr lang="en-US" dirty="0" smtClean="0"/>
-              <a:t>analysis: </a:t>
-            </a:r>
-            <a:r>
-              <a:rPr lang="en-US" dirty="0"/>
-              <a:t>O(</a:t>
-            </a:r>
-            <a:r>
-              <a:rPr lang="en-US" dirty="0" err="1"/>
-              <a:t>nlogn</a:t>
-            </a:r>
-            <a:r>
-              <a:rPr lang="en-US" dirty="0"/>
-              <a:t>)</a:t>
-            </a:r>
-          </a:p>
-          <a:p>
-            <a:endParaRPr lang="en-US" dirty="0" smtClean="0"/>
-          </a:p>
         </p:txBody>
       </p:sp>
     </p:spTree>
@@ -3928,7 +3888,7 @@
           <a:p>
             <a:r>
               <a:rPr lang="en-US" dirty="0" smtClean="0"/>
-              <a:t>Implementation</a:t>
+              <a:t>Analysis</a:t>
             </a:r>
             <a:endParaRPr lang="en-US" dirty="0"/>
           </a:p>
@@ -3949,27 +3909,34 @@
           <a:bodyPr/>
           <a:lstStyle/>
           <a:p>
-            <a:endParaRPr lang="en-US"/>
+            <a:r>
+              <a:rPr lang="en-US" dirty="0" smtClean="0"/>
+              <a:t>Worst and average case analysis: O(</a:t>
+            </a:r>
+            <a:r>
+              <a:rPr lang="en-US" dirty="0" err="1" smtClean="0"/>
+              <a:t>nlogn</a:t>
+            </a:r>
+            <a:r>
+              <a:rPr lang="en-US" smtClean="0"/>
+              <a:t>)</a:t>
+            </a:r>
+          </a:p>
+          <a:p>
+            <a:endParaRPr lang="en-US" dirty="0"/>
           </a:p>
         </p:txBody>
       </p:sp>
     </p:spTree>
     <p:extLst>
       <p:ext uri="{BB962C8B-B14F-4D97-AF65-F5344CB8AC3E}">
-        <p14:creationId xmlns:p14="http://schemas.microsoft.com/office/powerpoint/2010/main" val="1201823533"/>
+        <p14:creationId xmlns:p14="http://schemas.microsoft.com/office/powerpoint/2010/main" val="576862369"/>
       </p:ext>
     </p:extLst>
   </p:cSld>
   <p:clrMapOvr>
     <a:masterClrMapping/>
   </p:clrMapOvr>
-  <p:timing>
-    <p:tnLst>
-      <p:par>
-        <p:cTn xmlns:p14="http://schemas.microsoft.com/office/powerpoint/2010/main" id="1" dur="indefinite" restart="never" nodeType="tmRoot"/>
-      </p:par>
-    </p:tnLst>
-  </p:timing>
 </p:sld>
 </file>
 
@@ -4005,7 +3972,11 @@
           <a:bodyPr/>
           <a:lstStyle/>
           <a:p>
-            <a:endParaRPr lang="en-US"/>
+            <a:r>
+              <a:rPr lang="en-US" dirty="0" smtClean="0"/>
+              <a:t>Implementation</a:t>
+            </a:r>
+            <a:endParaRPr lang="en-US" dirty="0"/>
           </a:p>
         </p:txBody>
       </p:sp>
@@ -4024,14 +3995,202 @@
           <a:bodyPr/>
           <a:lstStyle/>
           <a:p>
-            <a:endParaRPr lang="en-US"/>
-          </a:p>
-        </p:txBody>
-      </p:sp>
+            <a:r>
+              <a:rPr lang="en-US" dirty="0" smtClean="0"/>
+              <a:t>Main Method:</a:t>
+            </a:r>
+          </a:p>
+          <a:p>
+            <a:pPr marL="0" indent="0">
+              <a:buNone/>
+            </a:pPr>
+            <a:endParaRPr lang="en-US" dirty="0"/>
+          </a:p>
+        </p:txBody>
+      </p:sp>
+      <p:pic>
+        <p:nvPicPr>
+          <p:cNvPr id="4" name="Picture 3"/>
+          <p:cNvPicPr>
+            <a:picLocks noChangeAspect="1"/>
+          </p:cNvPicPr>
+          <p:nvPr/>
+        </p:nvPicPr>
+        <p:blipFill rotWithShape="1">
+          <a:blip r:embed="rId2"/>
+          <a:srcRect l="20000" t="47332" r="20000" b="20668"/>
+          <a:stretch/>
+        </p:blipFill>
+        <p:spPr>
+          <a:xfrm>
+            <a:off x="137366" y="2352846"/>
+            <a:ext cx="8866093" cy="2659828"/>
+          </a:xfrm>
+          <a:prstGeom prst="rect">
+            <a:avLst/>
+          </a:prstGeom>
+        </p:spPr>
+      </p:pic>
     </p:spTree>
     <p:extLst>
       <p:ext uri="{BB962C8B-B14F-4D97-AF65-F5344CB8AC3E}">
-        <p14:creationId xmlns:p14="http://schemas.microsoft.com/office/powerpoint/2010/main" val="3050536011"/>
+        <p14:creationId xmlns:p14="http://schemas.microsoft.com/office/powerpoint/2010/main" val="2274116813"/>
+      </p:ext>
+    </p:extLst>
+  </p:cSld>
+  <p:clrMapOvr>
+    <a:masterClrMapping/>
+  </p:clrMapOvr>
+  <p:timing>
+    <p:tnLst>
+      <p:par>
+        <p:cTn xmlns:p14="http://schemas.microsoft.com/office/powerpoint/2010/main" id="1" dur="indefinite" restart="never" nodeType="tmRoot"/>
+      </p:par>
+    </p:tnLst>
+  </p:timing>
+</p:sld>
+</file>
+
+<file path=ppt/slides/slide5.xml><?xml version="1.0" encoding="utf-8"?>
+<p:sld xmlns:a="http://schemas.openxmlformats.org/drawingml/2006/main" xmlns:r="http://schemas.openxmlformats.org/officeDocument/2006/relationships" xmlns:p="http://schemas.openxmlformats.org/presentationml/2006/main">
+  <p:cSld>
+    <p:spTree>
+      <p:nvGrpSpPr>
+        <p:cNvPr id="1" name=""/>
+        <p:cNvGrpSpPr/>
+        <p:nvPr/>
+      </p:nvGrpSpPr>
+      <p:grpSpPr>
+        <a:xfrm>
+          <a:off x="0" y="0"/>
+          <a:ext cx="0" cy="0"/>
+          <a:chOff x="0" y="0"/>
+          <a:chExt cx="0" cy="0"/>
+        </a:xfrm>
+      </p:grpSpPr>
+      <p:sp>
+        <p:nvSpPr>
+          <p:cNvPr id="2" name="Title 1"/>
+          <p:cNvSpPr>
+            <a:spLocks noGrp="1"/>
+          </p:cNvSpPr>
+          <p:nvPr>
+            <p:ph type="title"/>
+          </p:nvPr>
+        </p:nvSpPr>
+        <p:spPr/>
+        <p:txBody>
+          <a:bodyPr/>
+          <a:lstStyle/>
+          <a:p>
+            <a:r>
+              <a:rPr lang="en-US" dirty="0" smtClean="0"/>
+              <a:t>Implementation (2)</a:t>
+            </a:r>
+            <a:endParaRPr lang="en-US" dirty="0"/>
+          </a:p>
+        </p:txBody>
+      </p:sp>
+      <p:pic>
+        <p:nvPicPr>
+          <p:cNvPr id="4" name="Content Placeholder 3"/>
+          <p:cNvPicPr>
+            <a:picLocks noGrp="1" noChangeAspect="1"/>
+          </p:cNvPicPr>
+          <p:nvPr>
+            <p:ph idx="1"/>
+          </p:nvPr>
+        </p:nvPicPr>
+        <p:blipFill rotWithShape="1">
+          <a:blip r:embed="rId2"/>
+          <a:srcRect l="29762" t="22885" r="49989" b="27920"/>
+          <a:stretch/>
+        </p:blipFill>
+        <p:spPr>
+          <a:xfrm>
+            <a:off x="3847926" y="1350665"/>
+            <a:ext cx="3918830" cy="5355734"/>
+          </a:xfrm>
+          <a:prstGeom prst="rect">
+            <a:avLst/>
+          </a:prstGeom>
+        </p:spPr>
+      </p:pic>
+      <p:sp>
+        <p:nvSpPr>
+          <p:cNvPr id="5" name="TextBox 4"/>
+          <p:cNvSpPr txBox="1"/>
+          <p:nvPr/>
+        </p:nvSpPr>
+        <p:spPr>
+          <a:xfrm>
+            <a:off x="1501422" y="1813467"/>
+            <a:ext cx="1813317" cy="369332"/>
+          </a:xfrm>
+          <a:prstGeom prst="rect">
+            <a:avLst/>
+          </a:prstGeom>
+          <a:noFill/>
+        </p:spPr>
+        <p:txBody>
+          <a:bodyPr wrap="none" rtlCol="0">
+            <a:spAutoFit/>
+          </a:bodyPr>
+          <a:lstStyle/>
+          <a:p>
+            <a:r>
+              <a:rPr lang="en-US" dirty="0" smtClean="0">
+                <a:solidFill>
+                  <a:schemeClr val="accent1"/>
+                </a:solidFill>
+              </a:rPr>
+              <a:t>Starting Method</a:t>
+            </a:r>
+            <a:endParaRPr lang="en-US" dirty="0">
+              <a:solidFill>
+                <a:schemeClr val="accent1"/>
+              </a:solidFill>
+            </a:endParaRPr>
+          </a:p>
+        </p:txBody>
+      </p:sp>
+      <p:sp>
+        <p:nvSpPr>
+          <p:cNvPr id="6" name="TextBox 5"/>
+          <p:cNvSpPr txBox="1"/>
+          <p:nvPr/>
+        </p:nvSpPr>
+        <p:spPr>
+          <a:xfrm>
+            <a:off x="1398829" y="4347822"/>
+            <a:ext cx="2018501" cy="369332"/>
+          </a:xfrm>
+          <a:prstGeom prst="rect">
+            <a:avLst/>
+          </a:prstGeom>
+          <a:noFill/>
+        </p:spPr>
+        <p:txBody>
+          <a:bodyPr wrap="none" rtlCol="0">
+            <a:spAutoFit/>
+          </a:bodyPr>
+          <a:lstStyle/>
+          <a:p>
+            <a:r>
+              <a:rPr lang="en-US" dirty="0" smtClean="0">
+                <a:solidFill>
+                  <a:schemeClr val="accent1"/>
+                </a:solidFill>
+              </a:rPr>
+              <a:t>Arranging Method</a:t>
+            </a:r>
+          </a:p>
+        </p:txBody>
+      </p:sp>
+    </p:spTree>
+    <p:extLst>
+      <p:ext uri="{BB962C8B-B14F-4D97-AF65-F5344CB8AC3E}">
+        <p14:creationId xmlns:p14="http://schemas.microsoft.com/office/powerpoint/2010/main" val="3943894947"/>
       </p:ext>
     </p:extLst>
   </p:cSld>

--- a/MergeSortPresentation.pptx
+++ b/MergeSortPresentation.pptx
@@ -3906,7 +3906,9 @@
         </p:nvSpPr>
         <p:spPr/>
         <p:txBody>
-          <a:bodyPr/>
+          <a:bodyPr>
+            <a:normAutofit lnSpcReduction="10000"/>
+          </a:bodyPr>
           <a:lstStyle/>
           <a:p>
             <a:r>
@@ -3918,11 +3920,85 @@
               <a:t>nlogn</a:t>
             </a:r>
             <a:r>
-              <a:rPr lang="en-US" smtClean="0"/>
+              <a:rPr lang="en-US" dirty="0" smtClean="0"/>
               <a:t>)</a:t>
             </a:r>
           </a:p>
           <a:p>
+            <a:r>
+              <a:rPr lang="en-US" dirty="0" smtClean="0"/>
+              <a:t>Dividing the list into two </a:t>
+            </a:r>
+            <a:r>
+              <a:rPr lang="en-US" dirty="0" err="1" smtClean="0"/>
+              <a:t>sublists</a:t>
+            </a:r>
+            <a:r>
+              <a:rPr lang="en-US" dirty="0" smtClean="0"/>
+              <a:t> takes a constant amount of time, c</a:t>
+            </a:r>
+          </a:p>
+          <a:p>
+            <a:r>
+              <a:rPr lang="en-US" dirty="0" smtClean="0"/>
+              <a:t>Sorting each </a:t>
+            </a:r>
+            <a:r>
+              <a:rPr lang="en-US" dirty="0" err="1" smtClean="0"/>
+              <a:t>sublist</a:t>
+            </a:r>
+            <a:r>
+              <a:rPr lang="en-US" dirty="0" smtClean="0"/>
+              <a:t> takes 2T(n/2), where 2 is the number of </a:t>
+            </a:r>
+            <a:r>
+              <a:rPr lang="en-US" dirty="0" err="1" smtClean="0"/>
+              <a:t>sublists</a:t>
+            </a:r>
+            <a:r>
+              <a:rPr lang="en-US" dirty="0" smtClean="0"/>
+              <a:t>, and n/2 is the size of the two </a:t>
+            </a:r>
+            <a:r>
+              <a:rPr lang="en-US" dirty="0" err="1" smtClean="0"/>
+              <a:t>sublists</a:t>
+            </a:r>
+            <a:endParaRPr lang="en-US" dirty="0" smtClean="0"/>
+          </a:p>
+          <a:p>
+            <a:r>
+              <a:rPr lang="en-US" dirty="0" smtClean="0"/>
+              <a:t>Recombining the list takes a linear amount of time</a:t>
+            </a:r>
+            <a:r>
+              <a:rPr lang="en-US" smtClean="0"/>
+              <a:t>, O(n)</a:t>
+            </a:r>
+            <a:endParaRPr lang="en-US" dirty="0" smtClean="0"/>
+          </a:p>
+          <a:p>
+            <a:r>
+              <a:rPr lang="en-US" dirty="0" smtClean="0"/>
+              <a:t>T(n) = 2T(n/2) + O(n) </a:t>
+            </a:r>
+            <a:r>
+              <a:rPr lang="en-US" dirty="0" smtClean="0">
+                <a:sym typeface="Wingdings"/>
+              </a:rPr>
+              <a:t> T(n) = O(</a:t>
+            </a:r>
+            <a:r>
+              <a:rPr lang="en-US" dirty="0" err="1" smtClean="0">
+                <a:sym typeface="Wingdings"/>
+              </a:rPr>
+              <a:t>nlogn</a:t>
+            </a:r>
+            <a:r>
+              <a:rPr lang="en-US" dirty="0" smtClean="0">
+                <a:sym typeface="Wingdings"/>
+              </a:rPr>
+              <a:t>)</a:t>
+            </a:r>
             <a:endParaRPr lang="en-US" dirty="0"/>
           </a:p>
         </p:txBody>

--- a/MergeSortPresentation.pptx
+++ b/MergeSortPresentation.pptx
@@ -7,9 +7,8 @@
   <p:sldIdLst>
     <p:sldId id="256" r:id="rId2"/>
     <p:sldId id="257" r:id="rId3"/>
-    <p:sldId id="263" r:id="rId4"/>
-    <p:sldId id="261" r:id="rId5"/>
-    <p:sldId id="262" r:id="rId6"/>
+    <p:sldId id="261" r:id="rId4"/>
+    <p:sldId id="262" r:id="rId5"/>
   </p:sldIdLst>
   <p:sldSz cx="9144000" cy="6858000" type="screen4x3"/>
   <p:notesSz cx="6858000" cy="9144000"/>
@@ -394,7 +393,7 @@
           <a:p>
             <a:fld id="{B01F9CA3-105E-4857-9057-6DB6197DA786}" type="datetimeFigureOut">
               <a:rPr lang="en-US" smtClean="0"/>
-              <a:t>9/23/15</a:t>
+              <a:t>9/28/15</a:t>
             </a:fld>
             <a:endParaRPr lang="en-US"/>
           </a:p>
@@ -586,7 +585,7 @@
           <a:p>
             <a:fld id="{B01F9CA3-105E-4857-9057-6DB6197DA786}" type="datetimeFigureOut">
               <a:rPr lang="en-US" smtClean="0"/>
-              <a:t>9/23/15</a:t>
+              <a:t>9/28/15</a:t>
             </a:fld>
             <a:endParaRPr lang="en-US"/>
           </a:p>
@@ -855,7 +854,7 @@
           <a:p>
             <a:fld id="{B01F9CA3-105E-4857-9057-6DB6197DA786}" type="datetimeFigureOut">
               <a:rPr lang="en-US" smtClean="0"/>
-              <a:t>9/23/15</a:t>
+              <a:t>9/28/15</a:t>
             </a:fld>
             <a:endParaRPr lang="en-US"/>
           </a:p>
@@ -1034,7 +1033,7 @@
           <a:p>
             <a:fld id="{B01F9CA3-105E-4857-9057-6DB6197DA786}" type="datetimeFigureOut">
               <a:rPr lang="en-US" smtClean="0"/>
-              <a:t>9/23/15</a:t>
+              <a:t>9/28/15</a:t>
             </a:fld>
             <a:endParaRPr lang="en-US"/>
           </a:p>
@@ -1203,7 +1202,7 @@
           <a:p>
             <a:fld id="{B01F9CA3-105E-4857-9057-6DB6197DA786}" type="datetimeFigureOut">
               <a:rPr lang="en-US" smtClean="0"/>
-              <a:t>9/23/15</a:t>
+              <a:t>9/28/15</a:t>
             </a:fld>
             <a:endParaRPr lang="en-US"/>
           </a:p>
@@ -1445,7 +1444,7 @@
           <a:p>
             <a:fld id="{B01F9CA3-105E-4857-9057-6DB6197DA786}" type="datetimeFigureOut">
               <a:rPr lang="en-US" smtClean="0"/>
-              <a:t>9/23/15</a:t>
+              <a:t>9/28/15</a:t>
             </a:fld>
             <a:endParaRPr lang="en-US"/>
           </a:p>
@@ -1768,7 +1767,7 @@
           <a:p>
             <a:fld id="{B01F9CA3-105E-4857-9057-6DB6197DA786}" type="datetimeFigureOut">
               <a:rPr lang="en-US" smtClean="0"/>
-              <a:t>9/23/15</a:t>
+              <a:t>9/28/15</a:t>
             </a:fld>
             <a:endParaRPr lang="en-US"/>
           </a:p>
@@ -2066,7 +2065,7 @@
           <a:p>
             <a:fld id="{B01F9CA3-105E-4857-9057-6DB6197DA786}" type="datetimeFigureOut">
               <a:rPr lang="en-US" smtClean="0"/>
-              <a:t>9/23/15</a:t>
+              <a:t>9/28/15</a:t>
             </a:fld>
             <a:endParaRPr lang="en-US"/>
           </a:p>
@@ -2522,7 +2521,7 @@
           <a:p>
             <a:fld id="{B01F9CA3-105E-4857-9057-6DB6197DA786}" type="datetimeFigureOut">
               <a:rPr lang="en-US" smtClean="0"/>
-              <a:t>9/23/15</a:t>
+              <a:t>9/28/15</a:t>
             </a:fld>
             <a:endParaRPr lang="en-US"/>
           </a:p>
@@ -2635,7 +2634,7 @@
           <a:p>
             <a:fld id="{B01F9CA3-105E-4857-9057-6DB6197DA786}" type="datetimeFigureOut">
               <a:rPr lang="en-US" smtClean="0"/>
-              <a:t>9/23/15</a:t>
+              <a:t>9/28/15</a:t>
             </a:fld>
             <a:endParaRPr lang="en-US"/>
           </a:p>
@@ -2725,7 +2724,7 @@
           <a:p>
             <a:fld id="{B01F9CA3-105E-4857-9057-6DB6197DA786}" type="datetimeFigureOut">
               <a:rPr lang="en-US" smtClean="0"/>
-              <a:t>9/23/15</a:t>
+              <a:t>9/28/15</a:t>
             </a:fld>
             <a:endParaRPr lang="en-US"/>
           </a:p>
@@ -3007,7 +3006,7 @@
           <a:p>
             <a:fld id="{B01F9CA3-105E-4857-9057-6DB6197DA786}" type="datetimeFigureOut">
               <a:rPr lang="en-US" smtClean="0"/>
-              <a:t>9/23/15</a:t>
+              <a:t>9/28/15</a:t>
             </a:fld>
             <a:endParaRPr lang="en-US"/>
           </a:p>
@@ -3213,7 +3212,7 @@
           <a:p>
             <a:fld id="{B01F9CA3-105E-4857-9057-6DB6197DA786}" type="datetimeFigureOut">
               <a:rPr lang="en-US" smtClean="0"/>
-              <a:t>9/23/15</a:t>
+              <a:t>9/28/15</a:t>
             </a:fld>
             <a:endParaRPr lang="en-US"/>
           </a:p>
@@ -3789,21 +3788,13 @@
           <a:p>
             <a:r>
               <a:rPr lang="en-US" dirty="0" smtClean="0"/>
-              <a:t>Recursive </a:t>
-            </a:r>
+              <a:t>Recursive algorithm</a:t>
+            </a:r>
+          </a:p>
+          <a:p>
             <a:r>
               <a:rPr lang="en-US" dirty="0" smtClean="0"/>
-              <a:t>algorithm</a:t>
-            </a:r>
-          </a:p>
-          <a:p>
-            <a:r>
-              <a:rPr lang="en-US" dirty="0" smtClean="0"/>
-              <a:t>Divides </a:t>
-            </a:r>
-            <a:r>
-              <a:rPr lang="en-US" dirty="0" smtClean="0"/>
-              <a:t>a list in half until each </a:t>
+              <a:t>Divides a list in half until each </a:t>
             </a:r>
             <a:r>
               <a:rPr lang="en-US" dirty="0" err="1" smtClean="0"/>
@@ -3817,11 +3808,7 @@
           <a:p>
             <a:r>
               <a:rPr lang="en-US" dirty="0" smtClean="0"/>
-              <a:t>R</a:t>
-            </a:r>
-            <a:r>
-              <a:rPr lang="en-US" dirty="0" smtClean="0"/>
-              <a:t>ecombines each </a:t>
+              <a:t>Recombines each </a:t>
             </a:r>
             <a:r>
               <a:rPr lang="en-US" dirty="0" err="1" smtClean="0"/>
@@ -3829,8 +3816,29 @@
             </a:r>
             <a:r>
               <a:rPr lang="en-US" dirty="0" smtClean="0"/>
-              <a:t> in order</a:t>
-            </a:r>
+              <a:t> in </a:t>
+            </a:r>
+            <a:r>
+              <a:rPr lang="en-US" dirty="0" smtClean="0"/>
+              <a:t>order</a:t>
+            </a:r>
+          </a:p>
+          <a:p>
+            <a:r>
+              <a:rPr lang="en-US" dirty="0"/>
+              <a:t>Worst and average case analysis: O(</a:t>
+            </a:r>
+            <a:r>
+              <a:rPr lang="en-US" dirty="0" err="1"/>
+              <a:t>nlogn</a:t>
+            </a:r>
+            <a:r>
+              <a:rPr lang="en-US" dirty="0"/>
+              <a:t>)</a:t>
+            </a:r>
+          </a:p>
+          <a:p>
+            <a:endParaRPr lang="en-US" dirty="0" smtClean="0"/>
           </a:p>
         </p:txBody>
       </p:sp>
@@ -3855,168 +3863,6 @@
 </file>
 
 <file path=ppt/slides/slide3.xml><?xml version="1.0" encoding="utf-8"?>
-<p:sld xmlns:a="http://schemas.openxmlformats.org/drawingml/2006/main" xmlns:r="http://schemas.openxmlformats.org/officeDocument/2006/relationships" xmlns:p="http://schemas.openxmlformats.org/presentationml/2006/main">
-  <p:cSld>
-    <p:spTree>
-      <p:nvGrpSpPr>
-        <p:cNvPr id="1" name=""/>
-        <p:cNvGrpSpPr/>
-        <p:nvPr/>
-      </p:nvGrpSpPr>
-      <p:grpSpPr>
-        <a:xfrm>
-          <a:off x="0" y="0"/>
-          <a:ext cx="0" cy="0"/>
-          <a:chOff x="0" y="0"/>
-          <a:chExt cx="0" cy="0"/>
-        </a:xfrm>
-      </p:grpSpPr>
-      <p:sp>
-        <p:nvSpPr>
-          <p:cNvPr id="2" name="Title 1"/>
-          <p:cNvSpPr>
-            <a:spLocks noGrp="1"/>
-          </p:cNvSpPr>
-          <p:nvPr>
-            <p:ph type="title"/>
-          </p:nvPr>
-        </p:nvSpPr>
-        <p:spPr/>
-        <p:txBody>
-          <a:bodyPr/>
-          <a:lstStyle/>
-          <a:p>
-            <a:r>
-              <a:rPr lang="en-US" dirty="0" smtClean="0"/>
-              <a:t>Analysis</a:t>
-            </a:r>
-            <a:endParaRPr lang="en-US" dirty="0"/>
-          </a:p>
-        </p:txBody>
-      </p:sp>
-      <p:sp>
-        <p:nvSpPr>
-          <p:cNvPr id="3" name="Content Placeholder 2"/>
-          <p:cNvSpPr>
-            <a:spLocks noGrp="1"/>
-          </p:cNvSpPr>
-          <p:nvPr>
-            <p:ph idx="1"/>
-          </p:nvPr>
-        </p:nvSpPr>
-        <p:spPr/>
-        <p:txBody>
-          <a:bodyPr>
-            <a:normAutofit lnSpcReduction="10000"/>
-          </a:bodyPr>
-          <a:lstStyle/>
-          <a:p>
-            <a:r>
-              <a:rPr lang="en-US" dirty="0" smtClean="0"/>
-              <a:t>Worst and average case analysis: O(</a:t>
-            </a:r>
-            <a:r>
-              <a:rPr lang="en-US" dirty="0" err="1" smtClean="0"/>
-              <a:t>nlogn</a:t>
-            </a:r>
-            <a:r>
-              <a:rPr lang="en-US" dirty="0" smtClean="0"/>
-              <a:t>)</a:t>
-            </a:r>
-          </a:p>
-          <a:p>
-            <a:r>
-              <a:rPr lang="en-US" dirty="0" smtClean="0"/>
-              <a:t>Dividing the list into two </a:t>
-            </a:r>
-            <a:r>
-              <a:rPr lang="en-US" dirty="0" err="1" smtClean="0"/>
-              <a:t>sublists</a:t>
-            </a:r>
-            <a:r>
-              <a:rPr lang="en-US" dirty="0" smtClean="0"/>
-              <a:t> takes a constant amount of time, c</a:t>
-            </a:r>
-          </a:p>
-          <a:p>
-            <a:r>
-              <a:rPr lang="en-US" dirty="0" smtClean="0"/>
-              <a:t>Sorting each </a:t>
-            </a:r>
-            <a:r>
-              <a:rPr lang="en-US" dirty="0" err="1" smtClean="0"/>
-              <a:t>sublist</a:t>
-            </a:r>
-            <a:r>
-              <a:rPr lang="en-US" dirty="0" smtClean="0"/>
-              <a:t> takes 2T(n/2), where 2 is the number of </a:t>
-            </a:r>
-            <a:r>
-              <a:rPr lang="en-US" dirty="0" err="1" smtClean="0"/>
-              <a:t>sublists</a:t>
-            </a:r>
-            <a:r>
-              <a:rPr lang="en-US" dirty="0" smtClean="0"/>
-              <a:t>, and n/2 is the size of the two </a:t>
-            </a:r>
-            <a:r>
-              <a:rPr lang="en-US" dirty="0" err="1" smtClean="0"/>
-              <a:t>sublists</a:t>
-            </a:r>
-            <a:endParaRPr lang="en-US" dirty="0" smtClean="0"/>
-          </a:p>
-          <a:p>
-            <a:r>
-              <a:rPr lang="en-US" dirty="0" smtClean="0"/>
-              <a:t>Recombining the list takes a linear amount of time</a:t>
-            </a:r>
-            <a:r>
-              <a:rPr lang="en-US" smtClean="0"/>
-              <a:t>, O(n)</a:t>
-            </a:r>
-            <a:endParaRPr lang="en-US" dirty="0" smtClean="0"/>
-          </a:p>
-          <a:p>
-            <a:r>
-              <a:rPr lang="en-US" dirty="0" smtClean="0"/>
-              <a:t>T(n) = 2T(n/2) + O(n) </a:t>
-            </a:r>
-            <a:r>
-              <a:rPr lang="en-US" dirty="0" smtClean="0">
-                <a:sym typeface="Wingdings"/>
-              </a:rPr>
-              <a:t> T(n) = O(</a:t>
-            </a:r>
-            <a:r>
-              <a:rPr lang="en-US" dirty="0" err="1" smtClean="0">
-                <a:sym typeface="Wingdings"/>
-              </a:rPr>
-              <a:t>nlogn</a:t>
-            </a:r>
-            <a:r>
-              <a:rPr lang="en-US" dirty="0" smtClean="0">
-                <a:sym typeface="Wingdings"/>
-              </a:rPr>
-              <a:t>)</a:t>
-            </a:r>
-            <a:endParaRPr lang="en-US" dirty="0"/>
-          </a:p>
-        </p:txBody>
-      </p:sp>
-    </p:spTree>
-    <p:extLst>
-      <p:ext uri="{BB962C8B-B14F-4D97-AF65-F5344CB8AC3E}">
-        <p14:creationId xmlns:p14="http://schemas.microsoft.com/office/powerpoint/2010/main" val="576862369"/>
-      </p:ext>
-    </p:extLst>
-  </p:cSld>
-  <p:clrMapOvr>
-    <a:masterClrMapping/>
-  </p:clrMapOvr>
-</p:sld>
-</file>
-
-<file path=ppt/slides/slide4.xml><?xml version="1.0" encoding="utf-8"?>
 <p:sld xmlns:a="http://schemas.openxmlformats.org/drawingml/2006/main" xmlns:r="http://schemas.openxmlformats.org/officeDocument/2006/relationships" xmlns:p="http://schemas.openxmlformats.org/presentationml/2006/main">
   <p:cSld>
     <p:spTree>
@@ -4127,7 +3973,7 @@
 </p:sld>
 </file>
 
-<file path=ppt/slides/slide5.xml><?xml version="1.0" encoding="utf-8"?>
+<file path=ppt/slides/slide4.xml><?xml version="1.0" encoding="utf-8"?>
 <p:sld xmlns:a="http://schemas.openxmlformats.org/drawingml/2006/main" xmlns:r="http://schemas.openxmlformats.org/officeDocument/2006/relationships" xmlns:p="http://schemas.openxmlformats.org/presentationml/2006/main">
   <p:cSld>
     <p:spTree>
